--- a/docs/FinalPresentation/FinalPresentation.pptx
+++ b/docs/FinalPresentation/FinalPresentation.pptx
@@ -225,7 +225,7 @@
               <a:rPr lang="en-US" smtClean="0">
                 <a:latin typeface="Tw Cen MT" panose="020B0602020104020603" pitchFamily="34" charset="0"/>
               </a:rPr>
-              <a:t>21-Jan-21</a:t>
+              <a:t>22-Jan-21</a:t>
             </a:fld>
             <a:endParaRPr lang="en-US" dirty="0">
               <a:latin typeface="Tw Cen MT" panose="020B0602020104020603" pitchFamily="34" charset="0"/>
@@ -415,7 +415,7 @@
             <a:fld id="{AF4A386A-BFE4-4655-9801-CBB04655F27A}" type="datetimeFigureOut">
               <a:rPr lang="en-US" noProof="0" smtClean="0"/>
               <a:pPr/>
-              <a:t>21-Jan-21</a:t>
+              <a:t>22-Jan-21</a:t>
             </a:fld>
             <a:endParaRPr lang="en-US" noProof="0" dirty="0"/>
           </a:p>
@@ -31343,6 +31343,53 @@
           </a:p>
         </p:txBody>
       </p:sp>
+      <p:pic>
+        <p:nvPicPr>
+          <p:cNvPr id="1026" name="Picture 2" descr="No description available.">
+            <a:extLst>
+              <a:ext uri="{FF2B5EF4-FFF2-40B4-BE49-F238E27FC236}">
+                <a16:creationId xmlns:a16="http://schemas.microsoft.com/office/drawing/2014/main" id="{F6349326-BB8E-4420-88C7-EA5509AC2AC2}"/>
+              </a:ext>
+            </a:extLst>
+          </p:cNvPr>
+          <p:cNvPicPr>
+            <a:picLocks noChangeAspect="1" noChangeArrowheads="1"/>
+          </p:cNvPicPr>
+          <p:nvPr/>
+        </p:nvPicPr>
+        <p:blipFill>
+          <a:blip r:embed="rId2">
+            <a:extLst>
+              <a:ext uri="{28A0092B-C50C-407E-A947-70E740481C1C}">
+                <a14:useLocalDpi xmlns:a14="http://schemas.microsoft.com/office/drawing/2010/main" val="0"/>
+              </a:ext>
+            </a:extLst>
+          </a:blip>
+          <a:srcRect/>
+          <a:stretch>
+            <a:fillRect/>
+          </a:stretch>
+        </p:blipFill>
+        <p:spPr bwMode="auto">
+          <a:xfrm>
+            <a:off x="4305300" y="3733800"/>
+            <a:ext cx="3581400" cy="2708434"/>
+          </a:xfrm>
+          <a:prstGeom prst="rect">
+            <a:avLst/>
+          </a:prstGeom>
+          <a:noFill/>
+          <a:extLst>
+            <a:ext uri="{909E8E84-426E-40DD-AFC4-6F175D3DCCD1}">
+              <a14:hiddenFill xmlns:a14="http://schemas.microsoft.com/office/drawing/2010/main">
+                <a:solidFill>
+                  <a:srgbClr val="FFFFFF"/>
+                </a:solidFill>
+              </a14:hiddenFill>
+            </a:ext>
+          </a:extLst>
+        </p:spPr>
+      </p:pic>
     </p:spTree>
     <p:extLst>
       <p:ext uri="{BB962C8B-B14F-4D97-AF65-F5344CB8AC3E}">
@@ -32151,6 +32198,24 @@
 </file>
 
 <file path=customXml/item1.xml><?xml version="1.0" encoding="utf-8"?>
+<?mso-contentType ?>
+<FormTemplates xmlns="http://schemas.microsoft.com/sharepoint/v3/contenttype/forms">
+  <Display>DocumentLibraryForm</Display>
+  <Edit>DocumentLibraryForm</Edit>
+  <New>DocumentLibraryForm</New>
+</FormTemplates>
+</file>
+
+<file path=customXml/item2.xml><?xml version="1.0" encoding="utf-8"?>
+<p:properties xmlns:p="http://schemas.microsoft.com/office/2006/metadata/properties" xmlns:xsi="http://www.w3.org/2001/XMLSchema-instance" xmlns:pc="http://schemas.microsoft.com/office/infopath/2007/PartnerControls">
+  <documentManagement>
+    <Status xmlns="71af3243-3dd4-4a8d-8c0d-dd76da1f02a5">Not started</Status>
+    <MediaServiceKeyPoints xmlns="71af3243-3dd4-4a8d-8c0d-dd76da1f02a5" xsi:nil="true"/>
+  </documentManagement>
+</p:properties>
+</file>
+
+<file path=customXml/item3.xml><?xml version="1.0" encoding="utf-8"?>
 <ct:contentTypeSchema xmlns:ct="http://schemas.microsoft.com/office/2006/metadata/contentType" xmlns:ma="http://schemas.microsoft.com/office/2006/metadata/properties/metaAttributes" ct:_="" ma:_="" ma:contentTypeName="Document" ma:contentTypeID="0x01010079F111ED35F8CC479449609E8A0923A6" ma:contentTypeVersion="12" ma:contentTypeDescription="Create a new document." ma:contentTypeScope="" ma:versionID="f9fc9171bb41dc08635275f351de8590">
   <xsd:schema xmlns:xsd="http://www.w3.org/2001/XMLSchema" xmlns:xs="http://www.w3.org/2001/XMLSchema" xmlns:p="http://schemas.microsoft.com/office/2006/metadata/properties" xmlns:ns2="71af3243-3dd4-4a8d-8c0d-dd76da1f02a5" xmlns:ns3="16c05727-aa75-4e4a-9b5f-8a80a1165891" targetNamespace="http://schemas.microsoft.com/office/2006/metadata/properties" ma:root="true" ma:fieldsID="29387215989a890c06011de04edfe97d" ns2:_="" ns3:_="">
     <xsd:import namespace="71af3243-3dd4-4a8d-8c0d-dd76da1f02a5"/>
@@ -32371,25 +32436,25 @@
 </ct:contentTypeSchema>
 </file>
 
-<file path=customXml/item2.xml><?xml version="1.0" encoding="utf-8"?>
-<p:properties xmlns:p="http://schemas.microsoft.com/office/2006/metadata/properties" xmlns:xsi="http://www.w3.org/2001/XMLSchema-instance" xmlns:pc="http://schemas.microsoft.com/office/infopath/2007/PartnerControls">
-  <documentManagement>
-    <Status xmlns="71af3243-3dd4-4a8d-8c0d-dd76da1f02a5">Not started</Status>
-    <MediaServiceKeyPoints xmlns="71af3243-3dd4-4a8d-8c0d-dd76da1f02a5" xsi:nil="true"/>
-  </documentManagement>
-</p:properties>
+<file path=customXml/itemProps1.xml><?xml version="1.0" encoding="utf-8"?>
+<ds:datastoreItem xmlns:ds="http://schemas.openxmlformats.org/officeDocument/2006/customXml" ds:itemID="{8106BD98-E608-40A1-98A8-93D5976215CA}">
+  <ds:schemaRefs>
+    <ds:schemaRef ds:uri="http://schemas.microsoft.com/sharepoint/v3/contenttype/forms"/>
+  </ds:schemaRefs>
+</ds:datastoreItem>
 </file>
 
-<file path=customXml/item3.xml><?xml version="1.0" encoding="utf-8"?>
-<?mso-contentType ?>
-<FormTemplates xmlns="http://schemas.microsoft.com/sharepoint/v3/contenttype/forms">
-  <Display>DocumentLibraryForm</Display>
-  <Edit>DocumentLibraryForm</Edit>
-  <New>DocumentLibraryForm</New>
-</FormTemplates>
+<file path=customXml/itemProps2.xml><?xml version="1.0" encoding="utf-8"?>
+<ds:datastoreItem xmlns:ds="http://schemas.openxmlformats.org/officeDocument/2006/customXml" ds:itemID="{6A86D9CC-0D9D-4BFE-B3F3-26F480BF8C8A}">
+  <ds:schemaRefs>
+    <ds:schemaRef ds:uri="http://schemas.microsoft.com/office/2006/metadata/properties"/>
+    <ds:schemaRef ds:uri="http://schemas.microsoft.com/office/infopath/2007/PartnerControls"/>
+    <ds:schemaRef ds:uri="71af3243-3dd4-4a8d-8c0d-dd76da1f02a5"/>
+  </ds:schemaRefs>
+</ds:datastoreItem>
 </file>
 
-<file path=customXml/itemProps1.xml><?xml version="1.0" encoding="utf-8"?>
+<file path=customXml/itemProps3.xml><?xml version="1.0" encoding="utf-8"?>
 <ds:datastoreItem xmlns:ds="http://schemas.openxmlformats.org/officeDocument/2006/customXml" ds:itemID="{9BFCA5F6-1A5A-4D78-BDE2-C793B61E0E12}">
   <ds:schemaRefs>
     <ds:schemaRef ds:uri="http://schemas.microsoft.com/office/2006/metadata/contentType"/>
@@ -32406,22 +32471,4 @@
     <ds:schemaRef ds:uri="http://schemas.microsoft.com/internal/obd"/>
   </ds:schemaRefs>
 </ds:datastoreItem>
-</file>
-
-<file path=customXml/itemProps2.xml><?xml version="1.0" encoding="utf-8"?>
-<ds:datastoreItem xmlns:ds="http://schemas.openxmlformats.org/officeDocument/2006/customXml" ds:itemID="{6A86D9CC-0D9D-4BFE-B3F3-26F480BF8C8A}">
-  <ds:schemaRefs>
-    <ds:schemaRef ds:uri="http://schemas.microsoft.com/office/2006/metadata/properties"/>
-    <ds:schemaRef ds:uri="http://schemas.microsoft.com/office/infopath/2007/PartnerControls"/>
-    <ds:schemaRef ds:uri="71af3243-3dd4-4a8d-8c0d-dd76da1f02a5"/>
-  </ds:schemaRefs>
-</ds:datastoreItem>
-</file>
-
-<file path=customXml/itemProps3.xml><?xml version="1.0" encoding="utf-8"?>
-<ds:datastoreItem xmlns:ds="http://schemas.openxmlformats.org/officeDocument/2006/customXml" ds:itemID="{8106BD98-E608-40A1-98A8-93D5976215CA}">
-  <ds:schemaRefs>
-    <ds:schemaRef ds:uri="http://schemas.microsoft.com/sharepoint/v3/contenttype/forms"/>
-  </ds:schemaRefs>
-</ds:datastoreItem>
 </file>
--- a/docs/FinalPresentation/FinalPresentation.pptx
+++ b/docs/FinalPresentation/FinalPresentation.pptx
@@ -31343,53 +31343,6 @@
           </a:p>
         </p:txBody>
       </p:sp>
-      <p:pic>
-        <p:nvPicPr>
-          <p:cNvPr id="1026" name="Picture 2" descr="No description available.">
-            <a:extLst>
-              <a:ext uri="{FF2B5EF4-FFF2-40B4-BE49-F238E27FC236}">
-                <a16:creationId xmlns:a16="http://schemas.microsoft.com/office/drawing/2014/main" id="{F6349326-BB8E-4420-88C7-EA5509AC2AC2}"/>
-              </a:ext>
-            </a:extLst>
-          </p:cNvPr>
-          <p:cNvPicPr>
-            <a:picLocks noChangeAspect="1" noChangeArrowheads="1"/>
-          </p:cNvPicPr>
-          <p:nvPr/>
-        </p:nvPicPr>
-        <p:blipFill>
-          <a:blip r:embed="rId2">
-            <a:extLst>
-              <a:ext uri="{28A0092B-C50C-407E-A947-70E740481C1C}">
-                <a14:useLocalDpi xmlns:a14="http://schemas.microsoft.com/office/drawing/2010/main" val="0"/>
-              </a:ext>
-            </a:extLst>
-          </a:blip>
-          <a:srcRect/>
-          <a:stretch>
-            <a:fillRect/>
-          </a:stretch>
-        </p:blipFill>
-        <p:spPr bwMode="auto">
-          <a:xfrm>
-            <a:off x="4305300" y="3733800"/>
-            <a:ext cx="3581400" cy="2708434"/>
-          </a:xfrm>
-          <a:prstGeom prst="rect">
-            <a:avLst/>
-          </a:prstGeom>
-          <a:noFill/>
-          <a:extLst>
-            <a:ext uri="{909E8E84-426E-40DD-AFC4-6F175D3DCCD1}">
-              <a14:hiddenFill xmlns:a14="http://schemas.microsoft.com/office/drawing/2010/main">
-                <a:solidFill>
-                  <a:srgbClr val="FFFFFF"/>
-                </a:solidFill>
-              </a14:hiddenFill>
-            </a:ext>
-          </a:extLst>
-        </p:spPr>
-      </p:pic>
     </p:spTree>
     <p:extLst>
       <p:ext uri="{BB962C8B-B14F-4D97-AF65-F5344CB8AC3E}">
@@ -32207,15 +32160,6 @@
 </file>
 
 <file path=customXml/item2.xml><?xml version="1.0" encoding="utf-8"?>
-<p:properties xmlns:p="http://schemas.microsoft.com/office/2006/metadata/properties" xmlns:xsi="http://www.w3.org/2001/XMLSchema-instance" xmlns:pc="http://schemas.microsoft.com/office/infopath/2007/PartnerControls">
-  <documentManagement>
-    <Status xmlns="71af3243-3dd4-4a8d-8c0d-dd76da1f02a5">Not started</Status>
-    <MediaServiceKeyPoints xmlns="71af3243-3dd4-4a8d-8c0d-dd76da1f02a5" xsi:nil="true"/>
-  </documentManagement>
-</p:properties>
-</file>
-
-<file path=customXml/item3.xml><?xml version="1.0" encoding="utf-8"?>
 <ct:contentTypeSchema xmlns:ct="http://schemas.microsoft.com/office/2006/metadata/contentType" xmlns:ma="http://schemas.microsoft.com/office/2006/metadata/properties/metaAttributes" ct:_="" ma:_="" ma:contentTypeName="Document" ma:contentTypeID="0x01010079F111ED35F8CC479449609E8A0923A6" ma:contentTypeVersion="12" ma:contentTypeDescription="Create a new document." ma:contentTypeScope="" ma:versionID="f9fc9171bb41dc08635275f351de8590">
   <xsd:schema xmlns:xsd="http://www.w3.org/2001/XMLSchema" xmlns:xs="http://www.w3.org/2001/XMLSchema" xmlns:p="http://schemas.microsoft.com/office/2006/metadata/properties" xmlns:ns2="71af3243-3dd4-4a8d-8c0d-dd76da1f02a5" xmlns:ns3="16c05727-aa75-4e4a-9b5f-8a80a1165891" targetNamespace="http://schemas.microsoft.com/office/2006/metadata/properties" ma:root="true" ma:fieldsID="29387215989a890c06011de04edfe97d" ns2:_="" ns3:_="">
     <xsd:import namespace="71af3243-3dd4-4a8d-8c0d-dd76da1f02a5"/>
@@ -32436,6 +32380,15 @@
 </ct:contentTypeSchema>
 </file>
 
+<file path=customXml/item3.xml><?xml version="1.0" encoding="utf-8"?>
+<p:properties xmlns:p="http://schemas.microsoft.com/office/2006/metadata/properties" xmlns:xsi="http://www.w3.org/2001/XMLSchema-instance" xmlns:pc="http://schemas.microsoft.com/office/infopath/2007/PartnerControls">
+  <documentManagement>
+    <Status xmlns="71af3243-3dd4-4a8d-8c0d-dd76da1f02a5">Not started</Status>
+    <MediaServiceKeyPoints xmlns="71af3243-3dd4-4a8d-8c0d-dd76da1f02a5" xsi:nil="true"/>
+  </documentManagement>
+</p:properties>
+</file>
+
 <file path=customXml/itemProps1.xml><?xml version="1.0" encoding="utf-8"?>
 <ds:datastoreItem xmlns:ds="http://schemas.openxmlformats.org/officeDocument/2006/customXml" ds:itemID="{8106BD98-E608-40A1-98A8-93D5976215CA}">
   <ds:schemaRefs>
@@ -32445,16 +32398,6 @@
 </file>
 
 <file path=customXml/itemProps2.xml><?xml version="1.0" encoding="utf-8"?>
-<ds:datastoreItem xmlns:ds="http://schemas.openxmlformats.org/officeDocument/2006/customXml" ds:itemID="{6A86D9CC-0D9D-4BFE-B3F3-26F480BF8C8A}">
-  <ds:schemaRefs>
-    <ds:schemaRef ds:uri="http://schemas.microsoft.com/office/2006/metadata/properties"/>
-    <ds:schemaRef ds:uri="http://schemas.microsoft.com/office/infopath/2007/PartnerControls"/>
-    <ds:schemaRef ds:uri="71af3243-3dd4-4a8d-8c0d-dd76da1f02a5"/>
-  </ds:schemaRefs>
-</ds:datastoreItem>
-</file>
-
-<file path=customXml/itemProps3.xml><?xml version="1.0" encoding="utf-8"?>
 <ds:datastoreItem xmlns:ds="http://schemas.openxmlformats.org/officeDocument/2006/customXml" ds:itemID="{9BFCA5F6-1A5A-4D78-BDE2-C793B61E0E12}">
   <ds:schemaRefs>
     <ds:schemaRef ds:uri="http://schemas.microsoft.com/office/2006/metadata/contentType"/>
@@ -32471,4 +32414,14 @@
     <ds:schemaRef ds:uri="http://schemas.microsoft.com/internal/obd"/>
   </ds:schemaRefs>
 </ds:datastoreItem>
+</file>
+
+<file path=customXml/itemProps3.xml><?xml version="1.0" encoding="utf-8"?>
+<ds:datastoreItem xmlns:ds="http://schemas.openxmlformats.org/officeDocument/2006/customXml" ds:itemID="{6A86D9CC-0D9D-4BFE-B3F3-26F480BF8C8A}">
+  <ds:schemaRefs>
+    <ds:schemaRef ds:uri="http://schemas.microsoft.com/office/2006/metadata/properties"/>
+    <ds:schemaRef ds:uri="http://schemas.microsoft.com/office/infopath/2007/PartnerControls"/>
+    <ds:schemaRef ds:uri="71af3243-3dd4-4a8d-8c0d-dd76da1f02a5"/>
+  </ds:schemaRefs>
+</ds:datastoreItem>
 </file>